--- a/考研进度安排.pptx
+++ b/考研进度安排.pptx
@@ -104,6 +104,11 @@
       </a:defRPr>
     </a:lvl9pPr>
   </p:defaultTextStyle>
+  <p:extLst>
+    <p:ext uri="{EFAFB233-063F-42B5-8137-9DF3F51BA10A}">
+      <p15:sldGuideLst xmlns:p15="http://schemas.microsoft.com/office/powerpoint/2012/main"/>
+    </p:ext>
+  </p:extLst>
 </p:presentation>
 </file>
 
@@ -254,7 +259,7 @@
           <a:p>
             <a:fld id="{ECB8AA9B-FBAF-4146-A580-441E75315D33}" type="datetimeFigureOut">
               <a:rPr lang="zh-CN" altLang="en-US" smtClean="0"/>
-              <a:t>2020/9/16</a:t>
+              <a:t>2020/9/18</a:t>
             </a:fld>
             <a:endParaRPr lang="zh-CN" altLang="en-US"/>
           </a:p>
@@ -452,7 +457,7 @@
           <a:p>
             <a:fld id="{ECB8AA9B-FBAF-4146-A580-441E75315D33}" type="datetimeFigureOut">
               <a:rPr lang="zh-CN" altLang="en-US" smtClean="0"/>
-              <a:t>2020/9/16</a:t>
+              <a:t>2020/9/18</a:t>
             </a:fld>
             <a:endParaRPr lang="zh-CN" altLang="en-US"/>
           </a:p>
@@ -660,7 +665,7 @@
           <a:p>
             <a:fld id="{ECB8AA9B-FBAF-4146-A580-441E75315D33}" type="datetimeFigureOut">
               <a:rPr lang="zh-CN" altLang="en-US" smtClean="0"/>
-              <a:t>2020/9/16</a:t>
+              <a:t>2020/9/18</a:t>
             </a:fld>
             <a:endParaRPr lang="zh-CN" altLang="en-US"/>
           </a:p>
@@ -858,7 +863,7 @@
           <a:p>
             <a:fld id="{ECB8AA9B-FBAF-4146-A580-441E75315D33}" type="datetimeFigureOut">
               <a:rPr lang="zh-CN" altLang="en-US" smtClean="0"/>
-              <a:t>2020/9/16</a:t>
+              <a:t>2020/9/18</a:t>
             </a:fld>
             <a:endParaRPr lang="zh-CN" altLang="en-US"/>
           </a:p>
@@ -1133,7 +1138,7 @@
           <a:p>
             <a:fld id="{ECB8AA9B-FBAF-4146-A580-441E75315D33}" type="datetimeFigureOut">
               <a:rPr lang="zh-CN" altLang="en-US" smtClean="0"/>
-              <a:t>2020/9/16</a:t>
+              <a:t>2020/9/18</a:t>
             </a:fld>
             <a:endParaRPr lang="zh-CN" altLang="en-US"/>
           </a:p>
@@ -1398,7 +1403,7 @@
           <a:p>
             <a:fld id="{ECB8AA9B-FBAF-4146-A580-441E75315D33}" type="datetimeFigureOut">
               <a:rPr lang="zh-CN" altLang="en-US" smtClean="0"/>
-              <a:t>2020/9/16</a:t>
+              <a:t>2020/9/18</a:t>
             </a:fld>
             <a:endParaRPr lang="zh-CN" altLang="en-US"/>
           </a:p>
@@ -1810,7 +1815,7 @@
           <a:p>
             <a:fld id="{ECB8AA9B-FBAF-4146-A580-441E75315D33}" type="datetimeFigureOut">
               <a:rPr lang="zh-CN" altLang="en-US" smtClean="0"/>
-              <a:t>2020/9/16</a:t>
+              <a:t>2020/9/18</a:t>
             </a:fld>
             <a:endParaRPr lang="zh-CN" altLang="en-US"/>
           </a:p>
@@ -1951,7 +1956,7 @@
           <a:p>
             <a:fld id="{ECB8AA9B-FBAF-4146-A580-441E75315D33}" type="datetimeFigureOut">
               <a:rPr lang="zh-CN" altLang="en-US" smtClean="0"/>
-              <a:t>2020/9/16</a:t>
+              <a:t>2020/9/18</a:t>
             </a:fld>
             <a:endParaRPr lang="zh-CN" altLang="en-US"/>
           </a:p>
@@ -2064,7 +2069,7 @@
           <a:p>
             <a:fld id="{ECB8AA9B-FBAF-4146-A580-441E75315D33}" type="datetimeFigureOut">
               <a:rPr lang="zh-CN" altLang="en-US" smtClean="0"/>
-              <a:t>2020/9/16</a:t>
+              <a:t>2020/9/18</a:t>
             </a:fld>
             <a:endParaRPr lang="zh-CN" altLang="en-US"/>
           </a:p>
@@ -2375,7 +2380,7 @@
           <a:p>
             <a:fld id="{ECB8AA9B-FBAF-4146-A580-441E75315D33}" type="datetimeFigureOut">
               <a:rPr lang="zh-CN" altLang="en-US" smtClean="0"/>
-              <a:t>2020/9/16</a:t>
+              <a:t>2020/9/18</a:t>
             </a:fld>
             <a:endParaRPr lang="zh-CN" altLang="en-US"/>
           </a:p>
@@ -2663,7 +2668,7 @@
           <a:p>
             <a:fld id="{ECB8AA9B-FBAF-4146-A580-441E75315D33}" type="datetimeFigureOut">
               <a:rPr lang="zh-CN" altLang="en-US" smtClean="0"/>
-              <a:t>2020/9/16</a:t>
+              <a:t>2020/9/18</a:t>
             </a:fld>
             <a:endParaRPr lang="zh-CN" altLang="en-US"/>
           </a:p>
@@ -2904,7 +2909,7 @@
           <a:p>
             <a:fld id="{ECB8AA9B-FBAF-4146-A580-441E75315D33}" type="datetimeFigureOut">
               <a:rPr lang="zh-CN" altLang="en-US" smtClean="0"/>
-              <a:t>2020/9/16</a:t>
+              <a:t>2020/9/18</a:t>
             </a:fld>
             <a:endParaRPr lang="zh-CN" altLang="en-US"/>
           </a:p>
@@ -3336,7 +3341,7 @@
           <p:nvPr>
             <p:extLst>
               <p:ext uri="{D42A27DB-BD31-4B8C-83A1-F6EECF244321}">
-                <p14:modId xmlns:p14="http://schemas.microsoft.com/office/powerpoint/2010/main" val="3177245918"/>
+                <p14:modId xmlns:p14="http://schemas.microsoft.com/office/powerpoint/2010/main" val="3940258428"/>
               </p:ext>
             </p:extLst>
           </p:nvPr>
@@ -3770,6 +3775,23 @@
                           <a:latin typeface="Consolas" panose="020B0609020204030204" pitchFamily="49" charset="0"/>
                           <a:ea typeface="微软雅黑" panose="020B0503020204020204" pitchFamily="34" charset="-122"/>
                         </a:rPr>
+                        <a:t>计组或操作系统</a:t>
+                      </a:r>
+                    </a:p>
+                  </a:txBody>
+                  <a:tcPr/>
+                </a:tc>
+                <a:tc>
+                  <a:txBody>
+                    <a:bodyPr/>
+                    <a:lstStyle/>
+                    <a:p>
+                      <a:pPr algn="ctr"/>
+                      <a:r>
+                        <a:rPr lang="zh-CN" altLang="en-US" baseline="0">
+                          <a:latin typeface="Consolas" panose="020B0609020204030204" pitchFamily="49" charset="0"/>
+                          <a:ea typeface="微软雅黑" panose="020B0503020204020204" pitchFamily="34" charset="-122"/>
+                        </a:rPr>
                         <a:t>数学</a:t>
                       </a:r>
                     </a:p>
@@ -3861,23 +3883,6 @@
                   </a:txBody>
                   <a:tcPr/>
                 </a:tc>
-                <a:tc>
-                  <a:txBody>
-                    <a:bodyPr/>
-                    <a:lstStyle/>
-                    <a:p>
-                      <a:pPr algn="ctr"/>
-                      <a:r>
-                        <a:rPr lang="zh-CN" altLang="en-US" baseline="0">
-                          <a:latin typeface="Consolas" panose="020B0609020204030204" pitchFamily="49" charset="0"/>
-                          <a:ea typeface="微软雅黑" panose="020B0503020204020204" pitchFamily="34" charset="-122"/>
-                        </a:rPr>
-                        <a:t>数学</a:t>
-                      </a:r>
-                    </a:p>
-                  </a:txBody>
-                  <a:tcPr/>
-                </a:tc>
                 <a:extLst>
                   <a:ext uri="{0D108BD9-81ED-4DB2-BD59-A6C34878D82A}">
                     <a16:rowId xmlns:a16="http://schemas.microsoft.com/office/drawing/2014/main" val="3843303112"/>
@@ -3892,12 +3897,16 @@
                     <a:p>
                       <a:pPr algn="ctr"/>
                       <a:r>
-                        <a:rPr lang="zh-CN" altLang="en-US" baseline="0">
+                        <a:rPr lang="en-US" altLang="zh-CN" baseline="0">
                           <a:latin typeface="Consolas" panose="020B0609020204030204" pitchFamily="49" charset="0"/>
                           <a:ea typeface="微软雅黑" panose="020B0503020204020204" pitchFamily="34" charset="-122"/>
                         </a:rPr>
-                        <a:t>当日查缺补漏以及习题（注意不能贪多）</a:t>
+                        <a:t>mixed</a:t>
                       </a:r>
+                      <a:endParaRPr lang="zh-CN" altLang="en-US" baseline="0">
+                        <a:latin typeface="Consolas" panose="020B0609020204030204" pitchFamily="49" charset="0"/>
+                        <a:ea typeface="微软雅黑" panose="020B0503020204020204" pitchFamily="34" charset="-122"/>
+                      </a:endParaRPr>
                     </a:p>
                   </a:txBody>
                   <a:tcPr/>

--- a/考研进度安排.pptx
+++ b/考研进度安排.pptx
@@ -259,7 +259,7 @@
           <a:p>
             <a:fld id="{ECB8AA9B-FBAF-4146-A580-441E75315D33}" type="datetimeFigureOut">
               <a:rPr lang="zh-CN" altLang="en-US" smtClean="0"/>
-              <a:t>2020/9/18</a:t>
+              <a:t>2020/9/30</a:t>
             </a:fld>
             <a:endParaRPr lang="zh-CN" altLang="en-US"/>
           </a:p>
@@ -457,7 +457,7 @@
           <a:p>
             <a:fld id="{ECB8AA9B-FBAF-4146-A580-441E75315D33}" type="datetimeFigureOut">
               <a:rPr lang="zh-CN" altLang="en-US" smtClean="0"/>
-              <a:t>2020/9/18</a:t>
+              <a:t>2020/9/30</a:t>
             </a:fld>
             <a:endParaRPr lang="zh-CN" altLang="en-US"/>
           </a:p>
@@ -665,7 +665,7 @@
           <a:p>
             <a:fld id="{ECB8AA9B-FBAF-4146-A580-441E75315D33}" type="datetimeFigureOut">
               <a:rPr lang="zh-CN" altLang="en-US" smtClean="0"/>
-              <a:t>2020/9/18</a:t>
+              <a:t>2020/9/30</a:t>
             </a:fld>
             <a:endParaRPr lang="zh-CN" altLang="en-US"/>
           </a:p>
@@ -863,7 +863,7 @@
           <a:p>
             <a:fld id="{ECB8AA9B-FBAF-4146-A580-441E75315D33}" type="datetimeFigureOut">
               <a:rPr lang="zh-CN" altLang="en-US" smtClean="0"/>
-              <a:t>2020/9/18</a:t>
+              <a:t>2020/9/30</a:t>
             </a:fld>
             <a:endParaRPr lang="zh-CN" altLang="en-US"/>
           </a:p>
@@ -1138,7 +1138,7 @@
           <a:p>
             <a:fld id="{ECB8AA9B-FBAF-4146-A580-441E75315D33}" type="datetimeFigureOut">
               <a:rPr lang="zh-CN" altLang="en-US" smtClean="0"/>
-              <a:t>2020/9/18</a:t>
+              <a:t>2020/9/30</a:t>
             </a:fld>
             <a:endParaRPr lang="zh-CN" altLang="en-US"/>
           </a:p>
@@ -1403,7 +1403,7 @@
           <a:p>
             <a:fld id="{ECB8AA9B-FBAF-4146-A580-441E75315D33}" type="datetimeFigureOut">
               <a:rPr lang="zh-CN" altLang="en-US" smtClean="0"/>
-              <a:t>2020/9/18</a:t>
+              <a:t>2020/9/30</a:t>
             </a:fld>
             <a:endParaRPr lang="zh-CN" altLang="en-US"/>
           </a:p>
@@ -1815,7 +1815,7 @@
           <a:p>
             <a:fld id="{ECB8AA9B-FBAF-4146-A580-441E75315D33}" type="datetimeFigureOut">
               <a:rPr lang="zh-CN" altLang="en-US" smtClean="0"/>
-              <a:t>2020/9/18</a:t>
+              <a:t>2020/9/30</a:t>
             </a:fld>
             <a:endParaRPr lang="zh-CN" altLang="en-US"/>
           </a:p>
@@ -1956,7 +1956,7 @@
           <a:p>
             <a:fld id="{ECB8AA9B-FBAF-4146-A580-441E75315D33}" type="datetimeFigureOut">
               <a:rPr lang="zh-CN" altLang="en-US" smtClean="0"/>
-              <a:t>2020/9/18</a:t>
+              <a:t>2020/9/30</a:t>
             </a:fld>
             <a:endParaRPr lang="zh-CN" altLang="en-US"/>
           </a:p>
@@ -2069,7 +2069,7 @@
           <a:p>
             <a:fld id="{ECB8AA9B-FBAF-4146-A580-441E75315D33}" type="datetimeFigureOut">
               <a:rPr lang="zh-CN" altLang="en-US" smtClean="0"/>
-              <a:t>2020/9/18</a:t>
+              <a:t>2020/9/30</a:t>
             </a:fld>
             <a:endParaRPr lang="zh-CN" altLang="en-US"/>
           </a:p>
@@ -2380,7 +2380,7 @@
           <a:p>
             <a:fld id="{ECB8AA9B-FBAF-4146-A580-441E75315D33}" type="datetimeFigureOut">
               <a:rPr lang="zh-CN" altLang="en-US" smtClean="0"/>
-              <a:t>2020/9/18</a:t>
+              <a:t>2020/9/30</a:t>
             </a:fld>
             <a:endParaRPr lang="zh-CN" altLang="en-US"/>
           </a:p>
@@ -2668,7 +2668,7 @@
           <a:p>
             <a:fld id="{ECB8AA9B-FBAF-4146-A580-441E75315D33}" type="datetimeFigureOut">
               <a:rPr lang="zh-CN" altLang="en-US" smtClean="0"/>
-              <a:t>2020/9/18</a:t>
+              <a:t>2020/9/30</a:t>
             </a:fld>
             <a:endParaRPr lang="zh-CN" altLang="en-US"/>
           </a:p>
@@ -2909,7 +2909,7 @@
           <a:p>
             <a:fld id="{ECB8AA9B-FBAF-4146-A580-441E75315D33}" type="datetimeFigureOut">
               <a:rPr lang="zh-CN" altLang="en-US" smtClean="0"/>
-              <a:t>2020/9/18</a:t>
+              <a:t>2020/9/30</a:t>
             </a:fld>
             <a:endParaRPr lang="zh-CN" altLang="en-US"/>
           </a:p>
@@ -3341,14 +3341,14 @@
           <p:nvPr>
             <p:extLst>
               <p:ext uri="{D42A27DB-BD31-4B8C-83A1-F6EECF244321}">
-                <p14:modId xmlns:p14="http://schemas.microsoft.com/office/powerpoint/2010/main" val="3940258428"/>
+                <p14:modId xmlns:p14="http://schemas.microsoft.com/office/powerpoint/2010/main" val="3700670534"/>
               </p:ext>
             </p:extLst>
           </p:nvPr>
         </p:nvGraphicFramePr>
         <p:xfrm>
-          <a:off x="2032000" y="719665"/>
-          <a:ext cx="9177469" cy="4250367"/>
+          <a:off x="1133366" y="593541"/>
+          <a:ext cx="9177469" cy="4620236"/>
         </p:xfrm>
         <a:graphic>
           <a:graphicData uri="http://schemas.openxmlformats.org/drawingml/2006/table">
@@ -3649,7 +3649,7 @@
                           <a:latin typeface="Consolas" panose="020B0609020204030204" pitchFamily="49" charset="0"/>
                           <a:ea typeface="微软雅黑" panose="020B0503020204020204" pitchFamily="34" charset="-122"/>
                         </a:rPr>
-                        <a:t>数据结构</a:t>
+                        <a:t>计算机网络</a:t>
                       </a:r>
                     </a:p>
                   </a:txBody>
@@ -3660,7 +3660,80 @@
                     <a:bodyPr/>
                     <a:lstStyle/>
                     <a:p>
+                      <a:pPr marL="0" marR="0" lvl="0" indent="0" algn="ctr" defTabSz="914400" rtl="0" eaLnBrk="1" fontAlgn="auto" latinLnBrk="0" hangingPunct="1">
+                        <a:lnSpc>
+                          <a:spcPct val="100000"/>
+                        </a:lnSpc>
+                        <a:spcBef>
+                          <a:spcPts val="0"/>
+                        </a:spcBef>
+                        <a:spcAft>
+                          <a:spcPts val="0"/>
+                        </a:spcAft>
+                        <a:buClrTx/>
+                        <a:buSzTx/>
+                        <a:buFontTx/>
+                        <a:buNone/>
+                        <a:tabLst/>
+                        <a:defRPr/>
+                      </a:pPr>
+                      <a:r>
+                        <a:rPr lang="zh-CN" altLang="en-US" baseline="0">
+                          <a:latin typeface="Consolas" panose="020B0609020204030204" pitchFamily="49" charset="0"/>
+                          <a:ea typeface="微软雅黑" panose="020B0503020204020204" pitchFamily="34" charset="-122"/>
+                        </a:rPr>
+                        <a:t>数据结构</a:t>
+                      </a:r>
+                    </a:p>
+                    <a:p>
                       <a:pPr algn="ctr"/>
+                      <a:endParaRPr lang="zh-CN" altLang="en-US" baseline="0">
+                        <a:latin typeface="Consolas" panose="020B0609020204030204" pitchFamily="49" charset="0"/>
+                        <a:ea typeface="微软雅黑" panose="020B0503020204020204" pitchFamily="34" charset="-122"/>
+                      </a:endParaRPr>
+                    </a:p>
+                  </a:txBody>
+                  <a:tcPr/>
+                </a:tc>
+                <a:tc>
+                  <a:txBody>
+                    <a:bodyPr/>
+                    <a:lstStyle/>
+                    <a:p>
+                      <a:pPr algn="ctr"/>
+                      <a:r>
+                        <a:rPr lang="zh-CN" altLang="en-US" baseline="0">
+                          <a:latin typeface="Consolas" panose="020B0609020204030204" pitchFamily="49" charset="0"/>
+                          <a:ea typeface="微软雅黑" panose="020B0503020204020204" pitchFamily="34" charset="-122"/>
+                        </a:rPr>
+                        <a:t>计组或操作系统</a:t>
+                      </a:r>
+                    </a:p>
+                  </a:txBody>
+                  <a:tcPr/>
+                </a:tc>
+                <a:tc>
+                  <a:txBody>
+                    <a:bodyPr/>
+                    <a:lstStyle/>
+                    <a:p>
+                      <a:pPr marL="0" marR="0" lvl="0" indent="0" algn="ctr" defTabSz="914400" rtl="0" eaLnBrk="1" fontAlgn="auto" latinLnBrk="0" hangingPunct="1">
+                        <a:lnSpc>
+                          <a:spcPct val="100000"/>
+                        </a:lnSpc>
+                        <a:spcBef>
+                          <a:spcPts val="0"/>
+                        </a:spcBef>
+                        <a:spcAft>
+                          <a:spcPts val="0"/>
+                        </a:spcAft>
+                        <a:buClrTx/>
+                        <a:buSzTx/>
+                        <a:buFontTx/>
+                        <a:buNone/>
+                        <a:tabLst/>
+                        <a:defRPr/>
+                      </a:pPr>
                       <a:r>
                         <a:rPr lang="zh-CN" altLang="en-US" baseline="0">
                           <a:latin typeface="Consolas" panose="020B0609020204030204" pitchFamily="49" charset="0"/>
@@ -3668,6 +3741,13 @@
                         </a:rPr>
                         <a:t>计算机网络</a:t>
                       </a:r>
+                    </a:p>
+                    <a:p>
+                      <a:pPr algn="ctr"/>
+                      <a:endParaRPr lang="zh-CN" altLang="en-US" baseline="0">
+                        <a:latin typeface="Consolas" panose="020B0609020204030204" pitchFamily="49" charset="0"/>
+                        <a:ea typeface="微软雅黑" panose="020B0503020204020204" pitchFamily="34" charset="-122"/>
+                      </a:endParaRPr>
                     </a:p>
                   </a:txBody>
                   <a:tcPr/>
@@ -3686,6 +3766,13 @@
                         <a:t>数据结构</a:t>
                       </a:r>
                     </a:p>
+                    <a:p>
+                      <a:pPr algn="ctr"/>
+                      <a:endParaRPr lang="zh-CN" altLang="en-US" baseline="0">
+                        <a:latin typeface="Consolas" panose="020B0609020204030204" pitchFamily="49" charset="0"/>
+                        <a:ea typeface="微软雅黑" panose="020B0503020204020204" pitchFamily="34" charset="-122"/>
+                      </a:endParaRPr>
+                    </a:p>
                   </a:txBody>
                   <a:tcPr/>
                 </a:tc>
@@ -3694,7 +3781,23 @@
                     <a:bodyPr/>
                     <a:lstStyle/>
                     <a:p>
-                      <a:pPr algn="ctr"/>
+                      <a:pPr marL="0" marR="0" lvl="0" indent="0" algn="ctr" defTabSz="914400" rtl="0" eaLnBrk="1" fontAlgn="auto" latinLnBrk="0" hangingPunct="1">
+                        <a:lnSpc>
+                          <a:spcPct val="100000"/>
+                        </a:lnSpc>
+                        <a:spcBef>
+                          <a:spcPts val="0"/>
+                        </a:spcBef>
+                        <a:spcAft>
+                          <a:spcPts val="0"/>
+                        </a:spcAft>
+                        <a:buClrTx/>
+                        <a:buSzTx/>
+                        <a:buFontTx/>
+                        <a:buNone/>
+                        <a:tabLst/>
+                        <a:defRPr/>
+                      </a:pPr>
                       <a:r>
                         <a:rPr lang="zh-CN" altLang="en-US" baseline="0">
                           <a:latin typeface="Consolas" panose="020B0609020204030204" pitchFamily="49" charset="0"/>
@@ -3703,6 +3806,13 @@
                         <a:t>计算机网络</a:t>
                       </a:r>
                     </a:p>
+                    <a:p>
+                      <a:pPr algn="ctr"/>
+                      <a:endParaRPr lang="zh-CN" altLang="en-US" baseline="0">
+                        <a:latin typeface="Consolas" panose="020B0609020204030204" pitchFamily="49" charset="0"/>
+                        <a:ea typeface="微软雅黑" panose="020B0503020204020204" pitchFamily="34" charset="-122"/>
+                      </a:endParaRPr>
+                    </a:p>
                   </a:txBody>
                   <a:tcPr/>
                 </a:tc>
@@ -3711,48 +3821,37 @@
                     <a:bodyPr/>
                     <a:lstStyle/>
                     <a:p>
-                      <a:pPr algn="ctr"/>
+                      <a:pPr marL="0" marR="0" lvl="0" indent="0" algn="ctr" defTabSz="914400" rtl="0" eaLnBrk="1" fontAlgn="auto" latinLnBrk="0" hangingPunct="1">
+                        <a:lnSpc>
+                          <a:spcPct val="100000"/>
+                        </a:lnSpc>
+                        <a:spcBef>
+                          <a:spcPts val="0"/>
+                        </a:spcBef>
+                        <a:spcAft>
+                          <a:spcPts val="0"/>
+                        </a:spcAft>
+                        <a:buClrTx/>
+                        <a:buSzTx/>
+                        <a:buFontTx/>
+                        <a:buNone/>
+                        <a:tabLst/>
+                        <a:defRPr/>
+                      </a:pPr>
                       <a:r>
                         <a:rPr lang="zh-CN" altLang="en-US" baseline="0">
                           <a:latin typeface="Consolas" panose="020B0609020204030204" pitchFamily="49" charset="0"/>
                           <a:ea typeface="微软雅黑" panose="020B0503020204020204" pitchFamily="34" charset="-122"/>
                         </a:rPr>
-                        <a:t>数据结构</a:t>
+                        <a:t>计组或操作系统</a:t>
                       </a:r>
                     </a:p>
-                  </a:txBody>
-                  <a:tcPr/>
-                </a:tc>
-                <a:tc>
-                  <a:txBody>
-                    <a:bodyPr/>
-                    <a:lstStyle/>
                     <a:p>
                       <a:pPr algn="ctr"/>
-                      <a:r>
-                        <a:rPr lang="zh-CN" altLang="en-US" baseline="0">
-                          <a:latin typeface="Consolas" panose="020B0609020204030204" pitchFamily="49" charset="0"/>
-                          <a:ea typeface="微软雅黑" panose="020B0503020204020204" pitchFamily="34" charset="-122"/>
-                        </a:rPr>
-                        <a:t>计算机网络</a:t>
-                      </a:r>
-                    </a:p>
-                  </a:txBody>
-                  <a:tcPr/>
-                </a:tc>
-                <a:tc>
-                  <a:txBody>
-                    <a:bodyPr/>
-                    <a:lstStyle/>
-                    <a:p>
-                      <a:pPr algn="ctr"/>
-                      <a:r>
-                        <a:rPr lang="zh-CN" altLang="en-US" baseline="0">
-                          <a:latin typeface="Consolas" panose="020B0609020204030204" pitchFamily="49" charset="0"/>
-                          <a:ea typeface="微软雅黑" panose="020B0503020204020204" pitchFamily="34" charset="-122"/>
-                        </a:rPr>
-                        <a:t>数据结构</a:t>
-                      </a:r>
+                      <a:endParaRPr lang="zh-CN" altLang="en-US" baseline="0">
+                        <a:latin typeface="Consolas" panose="020B0609020204030204" pitchFamily="49" charset="0"/>
+                        <a:ea typeface="微软雅黑" panose="020B0503020204020204" pitchFamily="34" charset="-122"/>
+                      </a:endParaRPr>
                     </a:p>
                   </a:txBody>
                   <a:tcPr/>
@@ -3809,8 +3908,15 @@
                           <a:latin typeface="Consolas" panose="020B0609020204030204" pitchFamily="49" charset="0"/>
                           <a:ea typeface="微软雅黑" panose="020B0503020204020204" pitchFamily="34" charset="-122"/>
                         </a:rPr>
-                        <a:t>计组或操作系统</a:t>
+                        <a:t>计算机网络</a:t>
                       </a:r>
+                    </a:p>
+                    <a:p>
+                      <a:pPr algn="ctr"/>
+                      <a:endParaRPr lang="zh-CN" altLang="en-US" baseline="0">
+                        <a:latin typeface="Consolas" panose="020B0609020204030204" pitchFamily="49" charset="0"/>
+                        <a:ea typeface="微软雅黑" panose="020B0503020204020204" pitchFamily="34" charset="-122"/>
+                      </a:endParaRPr>
                     </a:p>
                   </a:txBody>
                   <a:tcPr/>
@@ -3871,14 +3977,37 @@
                     <a:bodyPr/>
                     <a:lstStyle/>
                     <a:p>
-                      <a:pPr algn="ctr"/>
+                      <a:pPr marL="0" marR="0" lvl="0" indent="0" algn="ctr" defTabSz="914400" rtl="0" eaLnBrk="1" fontAlgn="auto" latinLnBrk="0" hangingPunct="1">
+                        <a:lnSpc>
+                          <a:spcPct val="100000"/>
+                        </a:lnSpc>
+                        <a:spcBef>
+                          <a:spcPts val="0"/>
+                        </a:spcBef>
+                        <a:spcAft>
+                          <a:spcPts val="0"/>
+                        </a:spcAft>
+                        <a:buClrTx/>
+                        <a:buSzTx/>
+                        <a:buFontTx/>
+                        <a:buNone/>
+                        <a:tabLst/>
+                        <a:defRPr/>
+                      </a:pPr>
                       <a:r>
                         <a:rPr lang="zh-CN" altLang="en-US" baseline="0">
                           <a:latin typeface="Consolas" panose="020B0609020204030204" pitchFamily="49" charset="0"/>
                           <a:ea typeface="微软雅黑" panose="020B0503020204020204" pitchFamily="34" charset="-122"/>
                         </a:rPr>
-                        <a:t>计组或操作系统</a:t>
+                        <a:t>数据结构</a:t>
                       </a:r>
+                    </a:p>
+                    <a:p>
+                      <a:pPr algn="ctr"/>
+                      <a:endParaRPr lang="zh-CN" altLang="en-US" baseline="0">
+                        <a:latin typeface="Consolas" panose="020B0609020204030204" pitchFamily="49" charset="0"/>
+                        <a:ea typeface="微软雅黑" panose="020B0503020204020204" pitchFamily="34" charset="-122"/>
+                      </a:endParaRPr>
                     </a:p>
                   </a:txBody>
                   <a:tcPr/>
@@ -3890,19 +4019,55 @@
                 </a:extLst>
               </a:tr>
               <a:tr h="544531">
-                <a:tc gridSpan="7">
+                <a:tc>
                   <a:txBody>
                     <a:bodyPr/>
                     <a:lstStyle/>
                     <a:p>
                       <a:pPr algn="ctr"/>
                       <a:r>
-                        <a:rPr lang="en-US" altLang="zh-CN" baseline="0">
+                        <a:rPr lang="zh-CN" altLang="en-US" baseline="0">
                           <a:latin typeface="Consolas" panose="020B0609020204030204" pitchFamily="49" charset="0"/>
                           <a:ea typeface="微软雅黑" panose="020B0503020204020204" pitchFamily="34" charset="-122"/>
                         </a:rPr>
-                        <a:t>mixed</a:t>
+                        <a:t>计组或操作系统</a:t>
                       </a:r>
+                    </a:p>
+                  </a:txBody>
+                  <a:tcPr/>
+                </a:tc>
+                <a:tc>
+                  <a:txBody>
+                    <a:bodyPr/>
+                    <a:lstStyle/>
+                    <a:p>
+                      <a:pPr marL="0" marR="0" lvl="0" indent="0" algn="ctr" defTabSz="914400" rtl="0" eaLnBrk="1" fontAlgn="auto" latinLnBrk="0" hangingPunct="1">
+                        <a:lnSpc>
+                          <a:spcPct val="100000"/>
+                        </a:lnSpc>
+                        <a:spcBef>
+                          <a:spcPts val="0"/>
+                        </a:spcBef>
+                        <a:spcAft>
+                          <a:spcPts val="0"/>
+                        </a:spcAft>
+                        <a:buClrTx/>
+                        <a:buSzTx/>
+                        <a:buFontTx/>
+                        <a:buNone/>
+                        <a:tabLst/>
+                        <a:defRPr/>
+                      </a:pPr>
+                      <a:r>
+                        <a:rPr lang="zh-CN" altLang="en-US" baseline="0">
+                          <a:latin typeface="Consolas" panose="020B0609020204030204" pitchFamily="49" charset="0"/>
+                          <a:ea typeface="微软雅黑" panose="020B0503020204020204" pitchFamily="34" charset="-122"/>
+                        </a:rPr>
+                        <a:t>数学</a:t>
+                      </a:r>
+                    </a:p>
+                    <a:p>
+                      <a:pPr algn="ctr"/>
                       <a:endParaRPr lang="zh-CN" altLang="en-US" baseline="0">
                         <a:latin typeface="Consolas" panose="020B0609020204030204" pitchFamily="49" charset="0"/>
                         <a:ea typeface="微软雅黑" panose="020B0503020204020204" pitchFamily="34" charset="-122"/>
@@ -3911,68 +4076,202 @@
                   </a:txBody>
                   <a:tcPr/>
                 </a:tc>
-                <a:tc hMerge="1">
+                <a:tc>
                   <a:txBody>
                     <a:bodyPr/>
                     <a:lstStyle/>
                     <a:p>
+                      <a:pPr marL="0" marR="0" lvl="0" indent="0" algn="ctr" defTabSz="914400" rtl="0" eaLnBrk="1" fontAlgn="auto" latinLnBrk="0" hangingPunct="1">
+                        <a:lnSpc>
+                          <a:spcPct val="100000"/>
+                        </a:lnSpc>
+                        <a:spcBef>
+                          <a:spcPts val="0"/>
+                        </a:spcBef>
+                        <a:spcAft>
+                          <a:spcPts val="0"/>
+                        </a:spcAft>
+                        <a:buClrTx/>
+                        <a:buSzTx/>
+                        <a:buFontTx/>
+                        <a:buNone/>
+                        <a:tabLst/>
+                        <a:defRPr/>
+                      </a:pPr>
+                      <a:r>
+                        <a:rPr lang="zh-CN" altLang="en-US" baseline="0">
+                          <a:latin typeface="Consolas" panose="020B0609020204030204" pitchFamily="49" charset="0"/>
+                          <a:ea typeface="微软雅黑" panose="020B0503020204020204" pitchFamily="34" charset="-122"/>
+                        </a:rPr>
+                        <a:t>计组或操作系统</a:t>
+                      </a:r>
+                    </a:p>
+                    <a:p>
                       <a:pPr algn="ctr"/>
-                      <a:endParaRPr lang="zh-CN" altLang="en-US"/>
+                      <a:endParaRPr lang="zh-CN" altLang="en-US" baseline="0">
+                        <a:latin typeface="Consolas" panose="020B0609020204030204" pitchFamily="49" charset="0"/>
+                        <a:ea typeface="微软雅黑" panose="020B0503020204020204" pitchFamily="34" charset="-122"/>
+                      </a:endParaRPr>
                     </a:p>
                   </a:txBody>
                   <a:tcPr/>
                 </a:tc>
-                <a:tc hMerge="1">
+                <a:tc>
                   <a:txBody>
                     <a:bodyPr/>
                     <a:lstStyle/>
                     <a:p>
+                      <a:pPr marL="0" marR="0" lvl="0" indent="0" algn="ctr" defTabSz="914400" rtl="0" eaLnBrk="1" fontAlgn="auto" latinLnBrk="0" hangingPunct="1">
+                        <a:lnSpc>
+                          <a:spcPct val="100000"/>
+                        </a:lnSpc>
+                        <a:spcBef>
+                          <a:spcPts val="0"/>
+                        </a:spcBef>
+                        <a:spcAft>
+                          <a:spcPts val="0"/>
+                        </a:spcAft>
+                        <a:buClrTx/>
+                        <a:buSzTx/>
+                        <a:buFontTx/>
+                        <a:buNone/>
+                        <a:tabLst/>
+                        <a:defRPr/>
+                      </a:pPr>
+                      <a:r>
+                        <a:rPr lang="zh-CN" altLang="en-US" baseline="0">
+                          <a:latin typeface="Consolas" panose="020B0609020204030204" pitchFamily="49" charset="0"/>
+                          <a:ea typeface="微软雅黑" panose="020B0503020204020204" pitchFamily="34" charset="-122"/>
+                        </a:rPr>
+                        <a:t>数学</a:t>
+                      </a:r>
+                    </a:p>
+                    <a:p>
                       <a:pPr algn="ctr"/>
-                      <a:endParaRPr lang="zh-CN" altLang="en-US"/>
+                      <a:endParaRPr lang="zh-CN" altLang="en-US" baseline="0">
+                        <a:latin typeface="Consolas" panose="020B0609020204030204" pitchFamily="49" charset="0"/>
+                        <a:ea typeface="微软雅黑" panose="020B0503020204020204" pitchFamily="34" charset="-122"/>
+                      </a:endParaRPr>
                     </a:p>
                   </a:txBody>
                   <a:tcPr/>
                 </a:tc>
-                <a:tc hMerge="1">
+                <a:tc>
                   <a:txBody>
                     <a:bodyPr/>
                     <a:lstStyle/>
                     <a:p>
+                      <a:pPr marL="0" marR="0" lvl="0" indent="0" algn="ctr" defTabSz="914400" rtl="0" eaLnBrk="1" fontAlgn="auto" latinLnBrk="0" hangingPunct="1">
+                        <a:lnSpc>
+                          <a:spcPct val="100000"/>
+                        </a:lnSpc>
+                        <a:spcBef>
+                          <a:spcPts val="0"/>
+                        </a:spcBef>
+                        <a:spcAft>
+                          <a:spcPts val="0"/>
+                        </a:spcAft>
+                        <a:buClrTx/>
+                        <a:buSzTx/>
+                        <a:buFontTx/>
+                        <a:buNone/>
+                        <a:tabLst/>
+                        <a:defRPr/>
+                      </a:pPr>
+                      <a:r>
+                        <a:rPr lang="zh-CN" altLang="en-US" baseline="0">
+                          <a:latin typeface="Consolas" panose="020B0609020204030204" pitchFamily="49" charset="0"/>
+                          <a:ea typeface="微软雅黑" panose="020B0503020204020204" pitchFamily="34" charset="-122"/>
+                        </a:rPr>
+                        <a:t>计组或操作系统</a:t>
+                      </a:r>
+                    </a:p>
+                    <a:p>
                       <a:pPr algn="ctr"/>
-                      <a:endParaRPr lang="zh-CN" altLang="en-US"/>
+                      <a:endParaRPr lang="zh-CN" altLang="en-US" baseline="0">
+                        <a:latin typeface="Consolas" panose="020B0609020204030204" pitchFamily="49" charset="0"/>
+                        <a:ea typeface="微软雅黑" panose="020B0503020204020204" pitchFamily="34" charset="-122"/>
+                      </a:endParaRPr>
                     </a:p>
                   </a:txBody>
                   <a:tcPr/>
                 </a:tc>
-                <a:tc hMerge="1">
+                <a:tc>
                   <a:txBody>
                     <a:bodyPr/>
                     <a:lstStyle/>
                     <a:p>
+                      <a:pPr marL="0" marR="0" lvl="0" indent="0" algn="ctr" defTabSz="914400" rtl="0" eaLnBrk="1" fontAlgn="auto" latinLnBrk="0" hangingPunct="1">
+                        <a:lnSpc>
+                          <a:spcPct val="100000"/>
+                        </a:lnSpc>
+                        <a:spcBef>
+                          <a:spcPts val="0"/>
+                        </a:spcBef>
+                        <a:spcAft>
+                          <a:spcPts val="0"/>
+                        </a:spcAft>
+                        <a:buClrTx/>
+                        <a:buSzTx/>
+                        <a:buFontTx/>
+                        <a:buNone/>
+                        <a:tabLst/>
+                        <a:defRPr/>
+                      </a:pPr>
+                      <a:r>
+                        <a:rPr lang="zh-CN" altLang="en-US" baseline="0">
+                          <a:latin typeface="Consolas" panose="020B0609020204030204" pitchFamily="49" charset="0"/>
+                          <a:ea typeface="微软雅黑" panose="020B0503020204020204" pitchFamily="34" charset="-122"/>
+                        </a:rPr>
+                        <a:t>数学</a:t>
+                      </a:r>
+                    </a:p>
+                    <a:p>
                       <a:pPr algn="ctr"/>
-                      <a:endParaRPr lang="zh-CN" altLang="en-US"/>
+                      <a:endParaRPr lang="zh-CN" altLang="en-US" baseline="0">
+                        <a:latin typeface="Consolas" panose="020B0609020204030204" pitchFamily="49" charset="0"/>
+                        <a:ea typeface="微软雅黑" panose="020B0503020204020204" pitchFamily="34" charset="-122"/>
+                      </a:endParaRPr>
                     </a:p>
                   </a:txBody>
                   <a:tcPr/>
                 </a:tc>
-                <a:tc hMerge="1">
+                <a:tc>
                   <a:txBody>
                     <a:bodyPr/>
                     <a:lstStyle/>
                     <a:p>
+                      <a:pPr marL="0" marR="0" lvl="0" indent="0" algn="ctr" defTabSz="914400" rtl="0" eaLnBrk="1" fontAlgn="auto" latinLnBrk="0" hangingPunct="1">
+                        <a:lnSpc>
+                          <a:spcPct val="100000"/>
+                        </a:lnSpc>
+                        <a:spcBef>
+                          <a:spcPts val="0"/>
+                        </a:spcBef>
+                        <a:spcAft>
+                          <a:spcPts val="0"/>
+                        </a:spcAft>
+                        <a:buClrTx/>
+                        <a:buSzTx/>
+                        <a:buFontTx/>
+                        <a:buNone/>
+                        <a:tabLst/>
+                        <a:defRPr/>
+                      </a:pPr>
+                      <a:r>
+                        <a:rPr lang="zh-CN" altLang="en-US" baseline="0">
+                          <a:latin typeface="Consolas" panose="020B0609020204030204" pitchFamily="49" charset="0"/>
+                          <a:ea typeface="微软雅黑" panose="020B0503020204020204" pitchFamily="34" charset="-122"/>
+                        </a:rPr>
+                        <a:t>计组或操作系统</a:t>
+                      </a:r>
+                    </a:p>
+                    <a:p>
                       <a:pPr algn="ctr"/>
-                      <a:endParaRPr lang="zh-CN" altLang="en-US"/>
-                    </a:p>
-                  </a:txBody>
-                  <a:tcPr/>
-                </a:tc>
-                <a:tc hMerge="1">
-                  <a:txBody>
-                    <a:bodyPr/>
-                    <a:lstStyle/>
-                    <a:p>
-                      <a:pPr algn="ctr"/>
-                      <a:endParaRPr lang="zh-CN" altLang="en-US"/>
+                      <a:endParaRPr lang="zh-CN" altLang="en-US" baseline="0">
+                        <a:latin typeface="Consolas" panose="020B0609020204030204" pitchFamily="49" charset="0"/>
+                        <a:ea typeface="微软雅黑" panose="020B0503020204020204" pitchFamily="34" charset="-122"/>
+                      </a:endParaRPr>
                     </a:p>
                   </a:txBody>
                   <a:tcPr/>

--- a/考研进度安排.pptx
+++ b/考研进度安排.pptx
@@ -6,6 +6,16 @@
   </p:sldMasterIdLst>
   <p:sldIdLst>
     <p:sldId id="256" r:id="rId2"/>
+    <p:sldId id="259" r:id="rId3"/>
+    <p:sldId id="258" r:id="rId4"/>
+    <p:sldId id="257" r:id="rId5"/>
+    <p:sldId id="261" r:id="rId6"/>
+    <p:sldId id="262" r:id="rId7"/>
+    <p:sldId id="260" r:id="rId8"/>
+    <p:sldId id="263" r:id="rId9"/>
+    <p:sldId id="266" r:id="rId10"/>
+    <p:sldId id="264" r:id="rId11"/>
+    <p:sldId id="265" r:id="rId12"/>
   </p:sldIdLst>
   <p:sldSz cx="12192000" cy="6858000"/>
   <p:notesSz cx="6858000" cy="9144000"/>
@@ -259,7 +269,7 @@
           <a:p>
             <a:fld id="{ECB8AA9B-FBAF-4146-A580-441E75315D33}" type="datetimeFigureOut">
               <a:rPr lang="zh-CN" altLang="en-US" smtClean="0"/>
-              <a:t>2020/9/30</a:t>
+              <a:t>2020/10/20</a:t>
             </a:fld>
             <a:endParaRPr lang="zh-CN" altLang="en-US"/>
           </a:p>
@@ -457,7 +467,7 @@
           <a:p>
             <a:fld id="{ECB8AA9B-FBAF-4146-A580-441E75315D33}" type="datetimeFigureOut">
               <a:rPr lang="zh-CN" altLang="en-US" smtClean="0"/>
-              <a:t>2020/9/30</a:t>
+              <a:t>2020/10/20</a:t>
             </a:fld>
             <a:endParaRPr lang="zh-CN" altLang="en-US"/>
           </a:p>
@@ -665,7 +675,7 @@
           <a:p>
             <a:fld id="{ECB8AA9B-FBAF-4146-A580-441E75315D33}" type="datetimeFigureOut">
               <a:rPr lang="zh-CN" altLang="en-US" smtClean="0"/>
-              <a:t>2020/9/30</a:t>
+              <a:t>2020/10/20</a:t>
             </a:fld>
             <a:endParaRPr lang="zh-CN" altLang="en-US"/>
           </a:p>
@@ -863,7 +873,7 @@
           <a:p>
             <a:fld id="{ECB8AA9B-FBAF-4146-A580-441E75315D33}" type="datetimeFigureOut">
               <a:rPr lang="zh-CN" altLang="en-US" smtClean="0"/>
-              <a:t>2020/9/30</a:t>
+              <a:t>2020/10/20</a:t>
             </a:fld>
             <a:endParaRPr lang="zh-CN" altLang="en-US"/>
           </a:p>
@@ -1138,7 +1148,7 @@
           <a:p>
             <a:fld id="{ECB8AA9B-FBAF-4146-A580-441E75315D33}" type="datetimeFigureOut">
               <a:rPr lang="zh-CN" altLang="en-US" smtClean="0"/>
-              <a:t>2020/9/30</a:t>
+              <a:t>2020/10/20</a:t>
             </a:fld>
             <a:endParaRPr lang="zh-CN" altLang="en-US"/>
           </a:p>
@@ -1403,7 +1413,7 @@
           <a:p>
             <a:fld id="{ECB8AA9B-FBAF-4146-A580-441E75315D33}" type="datetimeFigureOut">
               <a:rPr lang="zh-CN" altLang="en-US" smtClean="0"/>
-              <a:t>2020/9/30</a:t>
+              <a:t>2020/10/20</a:t>
             </a:fld>
             <a:endParaRPr lang="zh-CN" altLang="en-US"/>
           </a:p>
@@ -1815,7 +1825,7 @@
           <a:p>
             <a:fld id="{ECB8AA9B-FBAF-4146-A580-441E75315D33}" type="datetimeFigureOut">
               <a:rPr lang="zh-CN" altLang="en-US" smtClean="0"/>
-              <a:t>2020/9/30</a:t>
+              <a:t>2020/10/20</a:t>
             </a:fld>
             <a:endParaRPr lang="zh-CN" altLang="en-US"/>
           </a:p>
@@ -1956,7 +1966,7 @@
           <a:p>
             <a:fld id="{ECB8AA9B-FBAF-4146-A580-441E75315D33}" type="datetimeFigureOut">
               <a:rPr lang="zh-CN" altLang="en-US" smtClean="0"/>
-              <a:t>2020/9/30</a:t>
+              <a:t>2020/10/20</a:t>
             </a:fld>
             <a:endParaRPr lang="zh-CN" altLang="en-US"/>
           </a:p>
@@ -2069,7 +2079,7 @@
           <a:p>
             <a:fld id="{ECB8AA9B-FBAF-4146-A580-441E75315D33}" type="datetimeFigureOut">
               <a:rPr lang="zh-CN" altLang="en-US" smtClean="0"/>
-              <a:t>2020/9/30</a:t>
+              <a:t>2020/10/20</a:t>
             </a:fld>
             <a:endParaRPr lang="zh-CN" altLang="en-US"/>
           </a:p>
@@ -2380,7 +2390,7 @@
           <a:p>
             <a:fld id="{ECB8AA9B-FBAF-4146-A580-441E75315D33}" type="datetimeFigureOut">
               <a:rPr lang="zh-CN" altLang="en-US" smtClean="0"/>
-              <a:t>2020/9/30</a:t>
+              <a:t>2020/10/20</a:t>
             </a:fld>
             <a:endParaRPr lang="zh-CN" altLang="en-US"/>
           </a:p>
@@ -2668,7 +2678,7 @@
           <a:p>
             <a:fld id="{ECB8AA9B-FBAF-4146-A580-441E75315D33}" type="datetimeFigureOut">
               <a:rPr lang="zh-CN" altLang="en-US" smtClean="0"/>
-              <a:t>2020/9/30</a:t>
+              <a:t>2020/10/20</a:t>
             </a:fld>
             <a:endParaRPr lang="zh-CN" altLang="en-US"/>
           </a:p>
@@ -2909,7 +2919,7 @@
           <a:p>
             <a:fld id="{ECB8AA9B-FBAF-4146-A580-441E75315D33}" type="datetimeFigureOut">
               <a:rPr lang="zh-CN" altLang="en-US" smtClean="0"/>
-              <a:t>2020/9/30</a:t>
+              <a:t>2020/10/20</a:t>
             </a:fld>
             <a:endParaRPr lang="zh-CN" altLang="en-US"/>
           </a:p>
@@ -4383,6 +4393,688 @@
 </p:sld>
 </file>
 
+<file path=ppt/slides/slide10.xml><?xml version="1.0" encoding="utf-8"?>
+<p:sld xmlns:a="http://schemas.openxmlformats.org/drawingml/2006/main" xmlns:r="http://schemas.openxmlformats.org/officeDocument/2006/relationships" xmlns:p="http://schemas.openxmlformats.org/presentationml/2006/main">
+  <p:cSld>
+    <p:spTree>
+      <p:nvGrpSpPr>
+        <p:cNvPr id="1" name=""/>
+        <p:cNvGrpSpPr/>
+        <p:nvPr/>
+      </p:nvGrpSpPr>
+      <p:grpSpPr>
+        <a:xfrm>
+          <a:off x="0" y="0"/>
+          <a:ext cx="0" cy="0"/>
+          <a:chOff x="0" y="0"/>
+          <a:chExt cx="0" cy="0"/>
+        </a:xfrm>
+      </p:grpSpPr>
+      <p:sp>
+        <p:nvSpPr>
+          <p:cNvPr id="4" name="文本框 3">
+            <a:extLst>
+              <a:ext uri="{FF2B5EF4-FFF2-40B4-BE49-F238E27FC236}">
+                <a16:creationId xmlns:a16="http://schemas.microsoft.com/office/drawing/2014/main" id="{07BFAE16-151A-498A-A5B9-8445AE444DC2}"/>
+              </a:ext>
+            </a:extLst>
+          </p:cNvPr>
+          <p:cNvSpPr txBox="1"/>
+          <p:nvPr/>
+        </p:nvSpPr>
+        <p:spPr>
+          <a:xfrm>
+            <a:off x="457200" y="640080"/>
+            <a:ext cx="7553671" cy="2585323"/>
+          </a:xfrm>
+          <a:prstGeom prst="rect">
+            <a:avLst/>
+          </a:prstGeom>
+          <a:noFill/>
+        </p:spPr>
+        <p:txBody>
+          <a:bodyPr wrap="none" rtlCol="0">
+            <a:spAutoFit/>
+          </a:bodyPr>
+          <a:lstStyle/>
+          <a:p>
+            <a:r>
+              <a:rPr lang="en-US" altLang="zh-CN"/>
+              <a:t>1. </a:t>
+            </a:r>
+            <a:r>
+              <a:rPr lang="zh-CN" altLang="en-US"/>
+              <a:t>最后学历毕业专业：</a:t>
+            </a:r>
+            <a:endParaRPr lang="en-US" altLang="zh-CN"/>
+          </a:p>
+          <a:p>
+            <a:r>
+              <a:rPr lang="en-US" altLang="zh-CN"/>
+              <a:t>	- 0704</a:t>
+            </a:r>
+            <a:r>
+              <a:rPr lang="zh-CN" altLang="en-US"/>
+              <a:t>生物科学类</a:t>
+            </a:r>
+            <a:r>
+              <a:rPr lang="en-US" altLang="zh-CN"/>
+              <a:t> - 070403</a:t>
+            </a:r>
+            <a:r>
+              <a:rPr lang="zh-CN" altLang="en-US"/>
+              <a:t>生物信息学</a:t>
+            </a:r>
+            <a:endParaRPr lang="en-US" altLang="zh-CN"/>
+          </a:p>
+          <a:p>
+            <a:r>
+              <a:rPr lang="en-US" altLang="zh-CN"/>
+              <a:t>	- 0806</a:t>
+            </a:r>
+            <a:r>
+              <a:rPr lang="zh-CN" altLang="en-US"/>
+              <a:t>电气信息类 </a:t>
+            </a:r>
+            <a:r>
+              <a:rPr lang="en-US" altLang="zh-CN"/>
+              <a:t>- </a:t>
+            </a:r>
+            <a:r>
+              <a:rPr lang="zh-CN" altLang="en-US"/>
+              <a:t>计算机科学与技术还有其它计算机相关专业</a:t>
+            </a:r>
+            <a:endParaRPr lang="en-US" altLang="zh-CN"/>
+          </a:p>
+          <a:p>
+            <a:r>
+              <a:rPr lang="en-US" altLang="zh-CN"/>
+              <a:t>	- </a:t>
+            </a:r>
+            <a:r>
+              <a:rPr lang="zh-CN" altLang="en-US"/>
+              <a:t>培养方案上是</a:t>
+            </a:r>
+            <a:r>
+              <a:rPr lang="en-US" altLang="zh-CN"/>
+              <a:t>071003</a:t>
+            </a:r>
+          </a:p>
+          <a:p>
+            <a:r>
+              <a:rPr lang="en-US" altLang="zh-CN"/>
+              <a:t>2. </a:t>
+            </a:r>
+            <a:r>
+              <a:rPr lang="zh-CN" altLang="en-US"/>
+              <a:t>考生档案问题：</a:t>
+            </a:r>
+            <a:endParaRPr lang="en-US" altLang="zh-CN"/>
+          </a:p>
+          <a:p>
+            <a:r>
+              <a:rPr lang="en-US" altLang="zh-CN"/>
+              <a:t>	</a:t>
+            </a:r>
+            <a:r>
+              <a:rPr lang="zh-CN" altLang="en-US"/>
+              <a:t>所在单位名称</a:t>
+            </a:r>
+            <a:endParaRPr lang="en-US" altLang="zh-CN"/>
+          </a:p>
+          <a:p>
+            <a:r>
+              <a:rPr lang="en-US" altLang="zh-CN"/>
+              <a:t>	</a:t>
+            </a:r>
+            <a:r>
+              <a:rPr lang="zh-CN" altLang="en-US"/>
+              <a:t>所在单位地址</a:t>
+            </a:r>
+            <a:endParaRPr lang="en-US" altLang="zh-CN"/>
+          </a:p>
+          <a:p>
+            <a:r>
+              <a:rPr lang="en-US" altLang="zh-CN"/>
+              <a:t>	</a:t>
+            </a:r>
+            <a:r>
+              <a:rPr lang="zh-CN" altLang="en-US"/>
+              <a:t>所在单位邮编</a:t>
+            </a:r>
+            <a:endParaRPr lang="en-US" altLang="zh-CN"/>
+          </a:p>
+          <a:p>
+            <a:r>
+              <a:rPr lang="en-US" altLang="zh-CN"/>
+              <a:t>3. </a:t>
+            </a:r>
+          </a:p>
+        </p:txBody>
+      </p:sp>
+    </p:spTree>
+    <p:extLst>
+      <p:ext uri="{BB962C8B-B14F-4D97-AF65-F5344CB8AC3E}">
+        <p14:creationId xmlns:p14="http://schemas.microsoft.com/office/powerpoint/2010/main" val="2137803063"/>
+      </p:ext>
+    </p:extLst>
+  </p:cSld>
+  <p:clrMapOvr>
+    <a:masterClrMapping/>
+  </p:clrMapOvr>
+</p:sld>
+</file>
+
+<file path=ppt/slides/slide11.xml><?xml version="1.0" encoding="utf-8"?>
+<p:sld xmlns:a="http://schemas.openxmlformats.org/drawingml/2006/main" xmlns:r="http://schemas.openxmlformats.org/officeDocument/2006/relationships" xmlns:p="http://schemas.openxmlformats.org/presentationml/2006/main">
+  <p:cSld>
+    <p:spTree>
+      <p:nvGrpSpPr>
+        <p:cNvPr id="1" name=""/>
+        <p:cNvGrpSpPr/>
+        <p:nvPr/>
+      </p:nvGrpSpPr>
+      <p:grpSpPr>
+        <a:xfrm>
+          <a:off x="0" y="0"/>
+          <a:ext cx="0" cy="0"/>
+          <a:chOff x="0" y="0"/>
+          <a:chExt cx="0" cy="0"/>
+        </a:xfrm>
+      </p:grpSpPr>
+    </p:spTree>
+    <p:extLst>
+      <p:ext uri="{BB962C8B-B14F-4D97-AF65-F5344CB8AC3E}">
+        <p14:creationId xmlns:p14="http://schemas.microsoft.com/office/powerpoint/2010/main" val="1687634412"/>
+      </p:ext>
+    </p:extLst>
+  </p:cSld>
+  <p:clrMapOvr>
+    <a:masterClrMapping/>
+  </p:clrMapOvr>
+</p:sld>
+</file>
+
+<file path=ppt/slides/slide2.xml><?xml version="1.0" encoding="utf-8"?>
+<p:sld xmlns:a="http://schemas.openxmlformats.org/drawingml/2006/main" xmlns:r="http://schemas.openxmlformats.org/officeDocument/2006/relationships" xmlns:p="http://schemas.openxmlformats.org/presentationml/2006/main">
+  <p:cSld>
+    <p:spTree>
+      <p:nvGrpSpPr>
+        <p:cNvPr id="1" name=""/>
+        <p:cNvGrpSpPr/>
+        <p:nvPr/>
+      </p:nvGrpSpPr>
+      <p:grpSpPr>
+        <a:xfrm>
+          <a:off x="0" y="0"/>
+          <a:ext cx="0" cy="0"/>
+          <a:chOff x="0" y="0"/>
+          <a:chExt cx="0" cy="0"/>
+        </a:xfrm>
+      </p:grpSpPr>
+      <p:pic>
+        <p:nvPicPr>
+          <p:cNvPr id="3" name="图片 2">
+            <a:extLst>
+              <a:ext uri="{FF2B5EF4-FFF2-40B4-BE49-F238E27FC236}">
+                <a16:creationId xmlns:a16="http://schemas.microsoft.com/office/drawing/2014/main" id="{772ED69E-6C56-4CAA-86CC-7D2B3014B5AC}"/>
+              </a:ext>
+            </a:extLst>
+          </p:cNvPr>
+          <p:cNvPicPr>
+            <a:picLocks noChangeAspect="1"/>
+          </p:cNvPicPr>
+          <p:nvPr/>
+        </p:nvPicPr>
+        <p:blipFill>
+          <a:blip r:embed="rId2"/>
+          <a:stretch>
+            <a:fillRect/>
+          </a:stretch>
+        </p:blipFill>
+        <p:spPr>
+          <a:xfrm>
+            <a:off x="1641548" y="0"/>
+            <a:ext cx="8908904" cy="6858000"/>
+          </a:xfrm>
+          <a:prstGeom prst="rect">
+            <a:avLst/>
+          </a:prstGeom>
+        </p:spPr>
+      </p:pic>
+    </p:spTree>
+    <p:extLst>
+      <p:ext uri="{BB962C8B-B14F-4D97-AF65-F5344CB8AC3E}">
+        <p14:creationId xmlns:p14="http://schemas.microsoft.com/office/powerpoint/2010/main" val="3514776273"/>
+      </p:ext>
+    </p:extLst>
+  </p:cSld>
+  <p:clrMapOvr>
+    <a:masterClrMapping/>
+  </p:clrMapOvr>
+</p:sld>
+</file>
+
+<file path=ppt/slides/slide3.xml><?xml version="1.0" encoding="utf-8"?>
+<p:sld xmlns:a="http://schemas.openxmlformats.org/drawingml/2006/main" xmlns:r="http://schemas.openxmlformats.org/officeDocument/2006/relationships" xmlns:p="http://schemas.openxmlformats.org/presentationml/2006/main">
+  <p:cSld>
+    <p:spTree>
+      <p:nvGrpSpPr>
+        <p:cNvPr id="1" name=""/>
+        <p:cNvGrpSpPr/>
+        <p:nvPr/>
+      </p:nvGrpSpPr>
+      <p:grpSpPr>
+        <a:xfrm>
+          <a:off x="0" y="0"/>
+          <a:ext cx="0" cy="0"/>
+          <a:chOff x="0" y="0"/>
+          <a:chExt cx="0" cy="0"/>
+        </a:xfrm>
+      </p:grpSpPr>
+      <p:pic>
+        <p:nvPicPr>
+          <p:cNvPr id="3" name="图片 2">
+            <a:extLst>
+              <a:ext uri="{FF2B5EF4-FFF2-40B4-BE49-F238E27FC236}">
+                <a16:creationId xmlns:a16="http://schemas.microsoft.com/office/drawing/2014/main" id="{467498DA-5EAF-44B7-B999-8754AAC9F1B2}"/>
+              </a:ext>
+            </a:extLst>
+          </p:cNvPr>
+          <p:cNvPicPr>
+            <a:picLocks noChangeAspect="1"/>
+          </p:cNvPicPr>
+          <p:nvPr/>
+        </p:nvPicPr>
+        <p:blipFill>
+          <a:blip r:embed="rId2"/>
+          <a:stretch>
+            <a:fillRect/>
+          </a:stretch>
+        </p:blipFill>
+        <p:spPr>
+          <a:xfrm>
+            <a:off x="2971364" y="523469"/>
+            <a:ext cx="6249272" cy="5811061"/>
+          </a:xfrm>
+          <a:prstGeom prst="rect">
+            <a:avLst/>
+          </a:prstGeom>
+        </p:spPr>
+      </p:pic>
+    </p:spTree>
+    <p:extLst>
+      <p:ext uri="{BB962C8B-B14F-4D97-AF65-F5344CB8AC3E}">
+        <p14:creationId xmlns:p14="http://schemas.microsoft.com/office/powerpoint/2010/main" val="3151193463"/>
+      </p:ext>
+    </p:extLst>
+  </p:cSld>
+  <p:clrMapOvr>
+    <a:masterClrMapping/>
+  </p:clrMapOvr>
+</p:sld>
+</file>
+
+<file path=ppt/slides/slide4.xml><?xml version="1.0" encoding="utf-8"?>
+<p:sld xmlns:a="http://schemas.openxmlformats.org/drawingml/2006/main" xmlns:r="http://schemas.openxmlformats.org/officeDocument/2006/relationships" xmlns:p="http://schemas.openxmlformats.org/presentationml/2006/main">
+  <p:cSld>
+    <p:spTree>
+      <p:nvGrpSpPr>
+        <p:cNvPr id="1" name=""/>
+        <p:cNvGrpSpPr/>
+        <p:nvPr/>
+      </p:nvGrpSpPr>
+      <p:grpSpPr>
+        <a:xfrm>
+          <a:off x="0" y="0"/>
+          <a:ext cx="0" cy="0"/>
+          <a:chOff x="0" y="0"/>
+          <a:chExt cx="0" cy="0"/>
+        </a:xfrm>
+      </p:grpSpPr>
+      <p:pic>
+        <p:nvPicPr>
+          <p:cNvPr id="6" name="图片 5">
+            <a:extLst>
+              <a:ext uri="{FF2B5EF4-FFF2-40B4-BE49-F238E27FC236}">
+                <a16:creationId xmlns:a16="http://schemas.microsoft.com/office/drawing/2014/main" id="{B40883A5-5FA3-4699-ACBA-41B50466F784}"/>
+              </a:ext>
+            </a:extLst>
+          </p:cNvPr>
+          <p:cNvPicPr>
+            <a:picLocks noChangeAspect="1"/>
+          </p:cNvPicPr>
+          <p:nvPr/>
+        </p:nvPicPr>
+        <p:blipFill>
+          <a:blip r:embed="rId2"/>
+          <a:stretch>
+            <a:fillRect/>
+          </a:stretch>
+        </p:blipFill>
+        <p:spPr>
+          <a:xfrm>
+            <a:off x="880334" y="1123628"/>
+            <a:ext cx="10431331" cy="4610743"/>
+          </a:xfrm>
+          <a:prstGeom prst="rect">
+            <a:avLst/>
+          </a:prstGeom>
+        </p:spPr>
+      </p:pic>
+    </p:spTree>
+    <p:extLst>
+      <p:ext uri="{BB962C8B-B14F-4D97-AF65-F5344CB8AC3E}">
+        <p14:creationId xmlns:p14="http://schemas.microsoft.com/office/powerpoint/2010/main" val="195030131"/>
+      </p:ext>
+    </p:extLst>
+  </p:cSld>
+  <p:clrMapOvr>
+    <a:masterClrMapping/>
+  </p:clrMapOvr>
+</p:sld>
+</file>
+
+<file path=ppt/slides/slide5.xml><?xml version="1.0" encoding="utf-8"?>
+<p:sld xmlns:a="http://schemas.openxmlformats.org/drawingml/2006/main" xmlns:r="http://schemas.openxmlformats.org/officeDocument/2006/relationships" xmlns:p="http://schemas.openxmlformats.org/presentationml/2006/main">
+  <p:cSld>
+    <p:spTree>
+      <p:nvGrpSpPr>
+        <p:cNvPr id="1" name=""/>
+        <p:cNvGrpSpPr/>
+        <p:nvPr/>
+      </p:nvGrpSpPr>
+      <p:grpSpPr>
+        <a:xfrm>
+          <a:off x="0" y="0"/>
+          <a:ext cx="0" cy="0"/>
+          <a:chOff x="0" y="0"/>
+          <a:chExt cx="0" cy="0"/>
+        </a:xfrm>
+      </p:grpSpPr>
+      <p:pic>
+        <p:nvPicPr>
+          <p:cNvPr id="3" name="图片 2">
+            <a:extLst>
+              <a:ext uri="{FF2B5EF4-FFF2-40B4-BE49-F238E27FC236}">
+                <a16:creationId xmlns:a16="http://schemas.microsoft.com/office/drawing/2014/main" id="{0B06CA64-061E-46AA-A240-4195991E6F88}"/>
+              </a:ext>
+            </a:extLst>
+          </p:cNvPr>
+          <p:cNvPicPr>
+            <a:picLocks noChangeAspect="1"/>
+          </p:cNvPicPr>
+          <p:nvPr/>
+        </p:nvPicPr>
+        <p:blipFill>
+          <a:blip r:embed="rId2"/>
+          <a:stretch>
+            <a:fillRect/>
+          </a:stretch>
+        </p:blipFill>
+        <p:spPr>
+          <a:xfrm>
+            <a:off x="2065645" y="0"/>
+            <a:ext cx="8060709" cy="6858000"/>
+          </a:xfrm>
+          <a:prstGeom prst="rect">
+            <a:avLst/>
+          </a:prstGeom>
+        </p:spPr>
+      </p:pic>
+    </p:spTree>
+    <p:extLst>
+      <p:ext uri="{BB962C8B-B14F-4D97-AF65-F5344CB8AC3E}">
+        <p14:creationId xmlns:p14="http://schemas.microsoft.com/office/powerpoint/2010/main" val="68517420"/>
+      </p:ext>
+    </p:extLst>
+  </p:cSld>
+  <p:clrMapOvr>
+    <a:masterClrMapping/>
+  </p:clrMapOvr>
+</p:sld>
+</file>
+
+<file path=ppt/slides/slide6.xml><?xml version="1.0" encoding="utf-8"?>
+<p:sld xmlns:a="http://schemas.openxmlformats.org/drawingml/2006/main" xmlns:r="http://schemas.openxmlformats.org/officeDocument/2006/relationships" xmlns:p="http://schemas.openxmlformats.org/presentationml/2006/main">
+  <p:cSld>
+    <p:spTree>
+      <p:nvGrpSpPr>
+        <p:cNvPr id="1" name=""/>
+        <p:cNvGrpSpPr/>
+        <p:nvPr/>
+      </p:nvGrpSpPr>
+      <p:grpSpPr>
+        <a:xfrm>
+          <a:off x="0" y="0"/>
+          <a:ext cx="0" cy="0"/>
+          <a:chOff x="0" y="0"/>
+          <a:chExt cx="0" cy="0"/>
+        </a:xfrm>
+      </p:grpSpPr>
+      <p:pic>
+        <p:nvPicPr>
+          <p:cNvPr id="3" name="图片 2">
+            <a:extLst>
+              <a:ext uri="{FF2B5EF4-FFF2-40B4-BE49-F238E27FC236}">
+                <a16:creationId xmlns:a16="http://schemas.microsoft.com/office/drawing/2014/main" id="{55885E64-F0DD-456E-8C67-98F2D416D814}"/>
+              </a:ext>
+            </a:extLst>
+          </p:cNvPr>
+          <p:cNvPicPr>
+            <a:picLocks noChangeAspect="1"/>
+          </p:cNvPicPr>
+          <p:nvPr/>
+        </p:nvPicPr>
+        <p:blipFill>
+          <a:blip r:embed="rId2"/>
+          <a:stretch>
+            <a:fillRect/>
+          </a:stretch>
+        </p:blipFill>
+        <p:spPr>
+          <a:xfrm>
+            <a:off x="2119863" y="0"/>
+            <a:ext cx="7952274" cy="6858000"/>
+          </a:xfrm>
+          <a:prstGeom prst="rect">
+            <a:avLst/>
+          </a:prstGeom>
+        </p:spPr>
+      </p:pic>
+    </p:spTree>
+    <p:extLst>
+      <p:ext uri="{BB962C8B-B14F-4D97-AF65-F5344CB8AC3E}">
+        <p14:creationId xmlns:p14="http://schemas.microsoft.com/office/powerpoint/2010/main" val="3155005073"/>
+      </p:ext>
+    </p:extLst>
+  </p:cSld>
+  <p:clrMapOvr>
+    <a:masterClrMapping/>
+  </p:clrMapOvr>
+</p:sld>
+</file>
+
+<file path=ppt/slides/slide7.xml><?xml version="1.0" encoding="utf-8"?>
+<p:sld xmlns:a="http://schemas.openxmlformats.org/drawingml/2006/main" xmlns:r="http://schemas.openxmlformats.org/officeDocument/2006/relationships" xmlns:p="http://schemas.openxmlformats.org/presentationml/2006/main">
+  <p:cSld>
+    <p:spTree>
+      <p:nvGrpSpPr>
+        <p:cNvPr id="1" name=""/>
+        <p:cNvGrpSpPr/>
+        <p:nvPr/>
+      </p:nvGrpSpPr>
+      <p:grpSpPr>
+        <a:xfrm>
+          <a:off x="0" y="0"/>
+          <a:ext cx="0" cy="0"/>
+          <a:chOff x="0" y="0"/>
+          <a:chExt cx="0" cy="0"/>
+        </a:xfrm>
+      </p:grpSpPr>
+      <p:pic>
+        <p:nvPicPr>
+          <p:cNvPr id="3" name="图片 2">
+            <a:extLst>
+              <a:ext uri="{FF2B5EF4-FFF2-40B4-BE49-F238E27FC236}">
+                <a16:creationId xmlns:a16="http://schemas.microsoft.com/office/drawing/2014/main" id="{40717731-46BC-422F-B983-F66472768AEF}"/>
+              </a:ext>
+            </a:extLst>
+          </p:cNvPr>
+          <p:cNvPicPr>
+            <a:picLocks noChangeAspect="1"/>
+          </p:cNvPicPr>
+          <p:nvPr/>
+        </p:nvPicPr>
+        <p:blipFill>
+          <a:blip r:embed="rId2"/>
+          <a:stretch>
+            <a:fillRect/>
+          </a:stretch>
+        </p:blipFill>
+        <p:spPr>
+          <a:xfrm>
+            <a:off x="2336829" y="0"/>
+            <a:ext cx="7518341" cy="6858000"/>
+          </a:xfrm>
+          <a:prstGeom prst="rect">
+            <a:avLst/>
+          </a:prstGeom>
+        </p:spPr>
+      </p:pic>
+    </p:spTree>
+    <p:extLst>
+      <p:ext uri="{BB962C8B-B14F-4D97-AF65-F5344CB8AC3E}">
+        <p14:creationId xmlns:p14="http://schemas.microsoft.com/office/powerpoint/2010/main" val="4264278158"/>
+      </p:ext>
+    </p:extLst>
+  </p:cSld>
+  <p:clrMapOvr>
+    <a:masterClrMapping/>
+  </p:clrMapOvr>
+</p:sld>
+</file>
+
+<file path=ppt/slides/slide8.xml><?xml version="1.0" encoding="utf-8"?>
+<p:sld xmlns:a="http://schemas.openxmlformats.org/drawingml/2006/main" xmlns:r="http://schemas.openxmlformats.org/officeDocument/2006/relationships" xmlns:p="http://schemas.openxmlformats.org/presentationml/2006/main">
+  <p:cSld>
+    <p:spTree>
+      <p:nvGrpSpPr>
+        <p:cNvPr id="1" name=""/>
+        <p:cNvGrpSpPr/>
+        <p:nvPr/>
+      </p:nvGrpSpPr>
+      <p:grpSpPr>
+        <a:xfrm>
+          <a:off x="0" y="0"/>
+          <a:ext cx="0" cy="0"/>
+          <a:chOff x="0" y="0"/>
+          <a:chExt cx="0" cy="0"/>
+        </a:xfrm>
+      </p:grpSpPr>
+      <p:pic>
+        <p:nvPicPr>
+          <p:cNvPr id="3" name="图片 2">
+            <a:extLst>
+              <a:ext uri="{FF2B5EF4-FFF2-40B4-BE49-F238E27FC236}">
+                <a16:creationId xmlns:a16="http://schemas.microsoft.com/office/drawing/2014/main" id="{15A0FC2F-2415-4476-B6F2-D78615955285}"/>
+              </a:ext>
+            </a:extLst>
+          </p:cNvPr>
+          <p:cNvPicPr>
+            <a:picLocks noChangeAspect="1"/>
+          </p:cNvPicPr>
+          <p:nvPr/>
+        </p:nvPicPr>
+        <p:blipFill>
+          <a:blip r:embed="rId2"/>
+          <a:stretch>
+            <a:fillRect/>
+          </a:stretch>
+        </p:blipFill>
+        <p:spPr>
+          <a:xfrm>
+            <a:off x="2557604" y="0"/>
+            <a:ext cx="7076792" cy="6858000"/>
+          </a:xfrm>
+          <a:prstGeom prst="rect">
+            <a:avLst/>
+          </a:prstGeom>
+        </p:spPr>
+      </p:pic>
+    </p:spTree>
+    <p:extLst>
+      <p:ext uri="{BB962C8B-B14F-4D97-AF65-F5344CB8AC3E}">
+        <p14:creationId xmlns:p14="http://schemas.microsoft.com/office/powerpoint/2010/main" val="1714981720"/>
+      </p:ext>
+    </p:extLst>
+  </p:cSld>
+  <p:clrMapOvr>
+    <a:masterClrMapping/>
+  </p:clrMapOvr>
+</p:sld>
+</file>
+
+<file path=ppt/slides/slide9.xml><?xml version="1.0" encoding="utf-8"?>
+<p:sld xmlns:a="http://schemas.openxmlformats.org/drawingml/2006/main" xmlns:r="http://schemas.openxmlformats.org/officeDocument/2006/relationships" xmlns:p="http://schemas.openxmlformats.org/presentationml/2006/main">
+  <p:cSld>
+    <p:spTree>
+      <p:nvGrpSpPr>
+        <p:cNvPr id="1" name=""/>
+        <p:cNvGrpSpPr/>
+        <p:nvPr/>
+      </p:nvGrpSpPr>
+      <p:grpSpPr>
+        <a:xfrm>
+          <a:off x="0" y="0"/>
+          <a:ext cx="0" cy="0"/>
+          <a:chOff x="0" y="0"/>
+          <a:chExt cx="0" cy="0"/>
+        </a:xfrm>
+      </p:grpSpPr>
+      <p:pic>
+        <p:nvPicPr>
+          <p:cNvPr id="3" name="图片 2">
+            <a:extLst>
+              <a:ext uri="{FF2B5EF4-FFF2-40B4-BE49-F238E27FC236}">
+                <a16:creationId xmlns:a16="http://schemas.microsoft.com/office/drawing/2014/main" id="{98003937-63A4-4076-97D5-996C87B61EE1}"/>
+              </a:ext>
+            </a:extLst>
+          </p:cNvPr>
+          <p:cNvPicPr>
+            <a:picLocks noChangeAspect="1"/>
+          </p:cNvPicPr>
+          <p:nvPr/>
+        </p:nvPicPr>
+        <p:blipFill>
+          <a:blip r:embed="rId2"/>
+          <a:stretch>
+            <a:fillRect/>
+          </a:stretch>
+        </p:blipFill>
+        <p:spPr>
+          <a:xfrm>
+            <a:off x="2063646" y="0"/>
+            <a:ext cx="8064708" cy="6858000"/>
+          </a:xfrm>
+          <a:prstGeom prst="rect">
+            <a:avLst/>
+          </a:prstGeom>
+        </p:spPr>
+      </p:pic>
+    </p:spTree>
+    <p:extLst>
+      <p:ext uri="{BB962C8B-B14F-4D97-AF65-F5344CB8AC3E}">
+        <p14:creationId xmlns:p14="http://schemas.microsoft.com/office/powerpoint/2010/main" val="3211048009"/>
+      </p:ext>
+    </p:extLst>
+  </p:cSld>
+  <p:clrMapOvr>
+    <a:masterClrMapping/>
+  </p:clrMapOvr>
+</p:sld>
+</file>
+
 <file path=ppt/theme/theme1.xml><?xml version="1.0" encoding="utf-8"?>
 <a:theme xmlns:a="http://schemas.openxmlformats.org/drawingml/2006/main" name="Office 主题​​">
   <a:themeElements>
